--- a/Deliverables/In- Class Presentation/System Design Activities-ver2.pptx
+++ b/Deliverables/In- Class Presentation/System Design Activities-ver2.pptx
@@ -9165,8 +9165,8 @@
         </p:blipFill>
         <p:spPr>
           <a:xfrm>
-            <a:off x="2833687" y="2395537"/>
-            <a:ext cx="8953679" cy="2836421"/>
+            <a:off x="778636" y="2032000"/>
+            <a:ext cx="11099042" cy="3516047"/>
           </a:xfrm>
           <a:prstGeom prst="rect">
             <a:avLst/>
@@ -9198,34 +9198,6 @@
               <a:rPr lang="en-US" b="1" dirty="0"/>
               <a:t>6.4.2 Identifying Design Goals</a:t>
             </a:r>
-            <a:endParaRPr lang="en-US" dirty="0"/>
-          </a:p>
-        </p:txBody>
-      </p:sp>
-      <p:sp>
-        <p:nvSpPr>
-          <p:cNvPr id="3" name="Content Placeholder 2">
-            <a:extLst>
-              <a:ext uri="{FF2B5EF4-FFF2-40B4-BE49-F238E27FC236}">
-                <a16:creationId xmlns:a16="http://schemas.microsoft.com/office/drawing/2014/main" id="{F51653A7-6CAE-47D7-B6B2-3DD433EB4C09}"/>
-              </a:ext>
-            </a:extLst>
-          </p:cNvPr>
-          <p:cNvSpPr>
-            <a:spLocks noGrp="1"/>
-          </p:cNvSpPr>
-          <p:nvPr>
-            <p:ph idx="1"/>
-          </p:nvPr>
-        </p:nvSpPr>
-        <p:spPr/>
-        <p:txBody>
-          <a:bodyPr/>
-          <a:lstStyle/>
-          <a:p>
-            <a:pPr marL="0" indent="0">
-              <a:buNone/>
-            </a:pPr>
             <a:endParaRPr lang="en-US" dirty="0"/>
           </a:p>
         </p:txBody>
